--- a/Аналоговая ЭВМ.pptx
+++ b/Аналоговая ЭВМ.pptx
@@ -11,7 +11,8 @@
     <p:sldId id="261" r:id="rId5"/>
     <p:sldId id="262" r:id="rId6"/>
     <p:sldId id="260" r:id="rId7"/>
-    <p:sldId id="257" r:id="rId8"/>
+    <p:sldId id="263" r:id="rId8"/>
+    <p:sldId id="257" r:id="rId9"/>
   </p:sldIdLst>
   <p:sldSz cx="12192000" cy="6858000"/>
   <p:notesSz cx="6858000" cy="9144000"/>
@@ -864,7 +865,7 @@
             <a:fld id="{B61BEF0D-F0BB-DE4B-95CE-6DB70DBA9567}" type="datetimeFigureOut">
               <a:rPr lang="en-US" dirty="0"/>
               <a:pPr/>
-              <a:t>1/21/2022</a:t>
+              <a:t>1/28/2022</a:t>
             </a:fld>
             <a:endParaRPr lang="en-US" dirty="0"/>
           </a:p>
@@ -1112,7 +1113,7 @@
             <a:fld id="{B61BEF0D-F0BB-DE4B-95CE-6DB70DBA9567}" type="datetimeFigureOut">
               <a:rPr lang="en-US" dirty="0"/>
               <a:pPr/>
-              <a:t>1/21/2022</a:t>
+              <a:t>1/28/2022</a:t>
             </a:fld>
             <a:endParaRPr lang="en-US" dirty="0"/>
           </a:p>
@@ -1423,7 +1424,7 @@
             <a:fld id="{B61BEF0D-F0BB-DE4B-95CE-6DB70DBA9567}" type="datetimeFigureOut">
               <a:rPr lang="en-US" dirty="0"/>
               <a:pPr/>
-              <a:t>1/21/2022</a:t>
+              <a:t>1/28/2022</a:t>
             </a:fld>
             <a:endParaRPr lang="en-US" dirty="0"/>
           </a:p>
@@ -1753,7 +1754,7 @@
             <a:fld id="{B61BEF0D-F0BB-DE4B-95CE-6DB70DBA9567}" type="datetimeFigureOut">
               <a:rPr lang="en-US" dirty="0"/>
               <a:pPr/>
-              <a:t>1/21/2022</a:t>
+              <a:t>1/28/2022</a:t>
             </a:fld>
             <a:endParaRPr lang="en-US" dirty="0"/>
           </a:p>
@@ -2064,7 +2065,7 @@
             <a:fld id="{B61BEF0D-F0BB-DE4B-95CE-6DB70DBA9567}" type="datetimeFigureOut">
               <a:rPr lang="en-US" dirty="0"/>
               <a:pPr/>
-              <a:t>1/21/2022</a:t>
+              <a:t>1/28/2022</a:t>
             </a:fld>
             <a:endParaRPr lang="en-US" dirty="0"/>
           </a:p>
@@ -2454,7 +2455,7 @@
             <a:fld id="{B61BEF0D-F0BB-DE4B-95CE-6DB70DBA9567}" type="datetimeFigureOut">
               <a:rPr lang="en-US" dirty="0"/>
               <a:pPr/>
-              <a:t>1/21/2022</a:t>
+              <a:t>1/28/2022</a:t>
             </a:fld>
             <a:endParaRPr lang="en-US" dirty="0"/>
           </a:p>
@@ -2620,7 +2621,7 @@
           <a:p>
             <a:fld id="{55C6B4A9-1611-4792-9094-5F34BCA07E0B}" type="datetimeFigureOut">
               <a:rPr lang="en-US" dirty="0"/>
-              <a:t>1/21/2022</a:t>
+              <a:t>1/28/2022</a:t>
             </a:fld>
             <a:endParaRPr lang="en-US" dirty="0"/>
           </a:p>
@@ -2796,7 +2797,7 @@
             <a:fld id="{B61BEF0D-F0BB-DE4B-95CE-6DB70DBA9567}" type="datetimeFigureOut">
               <a:rPr lang="en-US" dirty="0"/>
               <a:pPr/>
-              <a:t>1/21/2022</a:t>
+              <a:t>1/28/2022</a:t>
             </a:fld>
             <a:endParaRPr lang="en-US" dirty="0"/>
           </a:p>
@@ -2962,7 +2963,7 @@
           <a:p>
             <a:fld id="{42A54C80-263E-416B-A8E0-580EDEADCBDC}" type="datetimeFigureOut">
               <a:rPr lang="en-US" dirty="0"/>
-              <a:t>1/21/2022</a:t>
+              <a:t>1/28/2022</a:t>
             </a:fld>
             <a:endParaRPr lang="en-US" dirty="0"/>
           </a:p>
@@ -3205,7 +3206,7 @@
             <a:fld id="{B61BEF0D-F0BB-DE4B-95CE-6DB70DBA9567}" type="datetimeFigureOut">
               <a:rPr lang="en-US" dirty="0"/>
               <a:pPr/>
-              <a:t>1/21/2022</a:t>
+              <a:t>1/28/2022</a:t>
             </a:fld>
             <a:endParaRPr lang="en-US" dirty="0"/>
           </a:p>
@@ -3433,7 +3434,7 @@
           <a:p>
             <a:fld id="{42A54C80-263E-416B-A8E0-580EDEADCBDC}" type="datetimeFigureOut">
               <a:rPr lang="en-US" dirty="0"/>
-              <a:t>1/21/2022</a:t>
+              <a:t>1/28/2022</a:t>
             </a:fld>
             <a:endParaRPr lang="en-US" dirty="0"/>
           </a:p>
@@ -3803,7 +3804,7 @@
             <a:fld id="{B61BEF0D-F0BB-DE4B-95CE-6DB70DBA9567}" type="datetimeFigureOut">
               <a:rPr lang="en-US" dirty="0"/>
               <a:pPr/>
-              <a:t>1/21/2022</a:t>
+              <a:t>1/28/2022</a:t>
             </a:fld>
             <a:endParaRPr lang="en-US" dirty="0"/>
           </a:p>
@@ -3923,7 +3924,7 @@
             <a:fld id="{B61BEF0D-F0BB-DE4B-95CE-6DB70DBA9567}" type="datetimeFigureOut">
               <a:rPr lang="en-US" dirty="0"/>
               <a:pPr/>
-              <a:t>1/21/2022</a:t>
+              <a:t>1/28/2022</a:t>
             </a:fld>
             <a:endParaRPr lang="en-US" dirty="0"/>
           </a:p>
@@ -4015,7 +4016,7 @@
             <a:fld id="{B61BEF0D-F0BB-DE4B-95CE-6DB70DBA9567}" type="datetimeFigureOut">
               <a:rPr lang="en-US" dirty="0"/>
               <a:pPr/>
-              <a:t>1/21/2022</a:t>
+              <a:t>1/28/2022</a:t>
             </a:fld>
             <a:endParaRPr lang="en-US" dirty="0"/>
           </a:p>
@@ -4266,7 +4267,7 @@
           <a:p>
             <a:fld id="{42A54C80-263E-416B-A8E0-580EDEADCBDC}" type="datetimeFigureOut">
               <a:rPr lang="en-US" dirty="0"/>
-              <a:t>1/21/2022</a:t>
+              <a:t>1/28/2022</a:t>
             </a:fld>
             <a:endParaRPr lang="en-US" dirty="0"/>
           </a:p>
@@ -4568,7 +4569,7 @@
             <a:fld id="{B61BEF0D-F0BB-DE4B-95CE-6DB70DBA9567}" type="datetimeFigureOut">
               <a:rPr lang="en-US" dirty="0"/>
               <a:pPr/>
-              <a:t>1/21/2022</a:t>
+              <a:t>1/28/2022</a:t>
             </a:fld>
             <a:endParaRPr lang="en-US" dirty="0"/>
           </a:p>
@@ -5266,7 +5267,7 @@
             <a:fld id="{B61BEF0D-F0BB-DE4B-95CE-6DB70DBA9567}" type="datetimeFigureOut">
               <a:rPr lang="en-US" dirty="0"/>
               <a:pPr/>
-              <a:t>1/21/2022</a:t>
+              <a:t>1/28/2022</a:t>
             </a:fld>
             <a:endParaRPr lang="en-US" dirty="0"/>
           </a:p>
@@ -6808,6 +6809,137 @@
             <p:ph type="title"/>
           </p:nvPr>
         </p:nvSpPr>
+        <p:spPr/>
+        <p:txBody>
+          <a:bodyPr/>
+          <a:lstStyle/>
+          <a:p>
+            <a:r>
+              <a:rPr lang="ru-RU" dirty="0" smtClean="0"/>
+              <a:t>Источники</a:t>
+            </a:r>
+            <a:endParaRPr lang="ru-RU" dirty="0"/>
+          </a:p>
+        </p:txBody>
+      </p:sp>
+      <p:sp>
+        <p:nvSpPr>
+          <p:cNvPr id="3" name="Объект 2"/>
+          <p:cNvSpPr>
+            <a:spLocks noGrp="1"/>
+          </p:cNvSpPr>
+          <p:nvPr>
+            <p:ph idx="1"/>
+          </p:nvPr>
+        </p:nvSpPr>
+        <p:spPr/>
+        <p:txBody>
+          <a:bodyPr/>
+          <a:lstStyle/>
+          <a:p>
+            <a:r>
+              <a:rPr lang="en-US" dirty="0">
+                <a:hlinkClick r:id="rId2"/>
+              </a:rPr>
+              <a:t>https://</a:t>
+            </a:r>
+            <a:r>
+              <a:rPr lang="en-US" dirty="0" smtClean="0">
+                <a:hlinkClick r:id="rId2"/>
+              </a:rPr>
+              <a:t>www.kv.by/archive/index2007111801.htm</a:t>
+            </a:r>
+            <a:r>
+              <a:rPr lang="ru-RU" dirty="0" smtClean="0"/>
+              <a:t> - Аналоговый компьютер</a:t>
+            </a:r>
+          </a:p>
+          <a:p>
+            <a:r>
+              <a:rPr lang="en-US" dirty="0">
+                <a:hlinkClick r:id="rId3"/>
+              </a:rPr>
+              <a:t>https://</a:t>
+            </a:r>
+            <a:r>
+              <a:rPr lang="en-US" dirty="0" smtClean="0">
+                <a:hlinkClick r:id="rId3"/>
+              </a:rPr>
+              <a:t>uic.vsu.ru/ccmuseum/comp/analog/index.htm</a:t>
+            </a:r>
+            <a:r>
+              <a:rPr lang="ru-RU" dirty="0" smtClean="0"/>
+              <a:t> - Аналоговые ЭВМ</a:t>
+            </a:r>
+          </a:p>
+          <a:p>
+            <a:r>
+              <a:rPr lang="en-US" dirty="0">
+                <a:hlinkClick r:id="rId4"/>
+              </a:rPr>
+              <a:t>https://analitikalmir.ru.gg/%</a:t>
+            </a:r>
+            <a:r>
+              <a:rPr lang="en-US" dirty="0" smtClean="0">
+                <a:hlinkClick r:id="rId4"/>
+              </a:rPr>
+              <a:t>26%231040%3B%26%231042%3B%26%231052%3B.htm</a:t>
+            </a:r>
+            <a:r>
+              <a:rPr lang="ru-RU" dirty="0" smtClean="0"/>
+              <a:t> – Аналоговая АВМ</a:t>
+            </a:r>
+            <a:endParaRPr lang="ru-RU" dirty="0"/>
+          </a:p>
+        </p:txBody>
+      </p:sp>
+    </p:spTree>
+    <p:extLst>
+      <p:ext uri="{BB962C8B-B14F-4D97-AF65-F5344CB8AC3E}">
+        <p14:creationId xmlns:p14="http://schemas.microsoft.com/office/powerpoint/2010/main" val="3742424911"/>
+      </p:ext>
+    </p:extLst>
+  </p:cSld>
+  <p:clrMapOvr>
+    <a:masterClrMapping/>
+  </p:clrMapOvr>
+  <p:timing>
+    <p:tnLst>
+      <p:par>
+        <p:cTn id="1" dur="indefinite" restart="never" nodeType="tmRoot"/>
+      </p:par>
+    </p:tnLst>
+  </p:timing>
+</p:sld>
+</file>
+
+<file path=ppt/slides/slide8.xml><?xml version="1.0" encoding="utf-8"?>
+<p:sld xmlns:a="http://schemas.openxmlformats.org/drawingml/2006/main" xmlns:r="http://schemas.openxmlformats.org/officeDocument/2006/relationships" xmlns:p="http://schemas.openxmlformats.org/presentationml/2006/main">
+  <p:cSld>
+    <p:spTree>
+      <p:nvGrpSpPr>
+        <p:cNvPr id="1" name=""/>
+        <p:cNvGrpSpPr/>
+        <p:nvPr/>
+      </p:nvGrpSpPr>
+      <p:grpSpPr>
+        <a:xfrm>
+          <a:off x="0" y="0"/>
+          <a:ext cx="0" cy="0"/>
+          <a:chOff x="0" y="0"/>
+          <a:chExt cx="0" cy="0"/>
+        </a:xfrm>
+      </p:grpSpPr>
+      <p:sp>
+        <p:nvSpPr>
+          <p:cNvPr id="2" name="Заголовок 1"/>
+          <p:cNvSpPr>
+            <a:spLocks noGrp="1"/>
+          </p:cNvSpPr>
+          <p:nvPr>
+            <p:ph type="title"/>
+          </p:nvPr>
+        </p:nvSpPr>
         <p:spPr>
           <a:xfrm>
             <a:off x="2833681" y="2820537"/>

--- a/Аналоговая ЭВМ.pptx
+++ b/Аналоговая ЭВМ.pptx
@@ -10,9 +10,11 @@
     <p:sldId id="259" r:id="rId4"/>
     <p:sldId id="261" r:id="rId5"/>
     <p:sldId id="262" r:id="rId6"/>
-    <p:sldId id="260" r:id="rId7"/>
-    <p:sldId id="263" r:id="rId8"/>
-    <p:sldId id="257" r:id="rId9"/>
+    <p:sldId id="264" r:id="rId7"/>
+    <p:sldId id="265" r:id="rId8"/>
+    <p:sldId id="260" r:id="rId9"/>
+    <p:sldId id="263" r:id="rId10"/>
+    <p:sldId id="257" r:id="rId11"/>
   </p:sldIdLst>
   <p:sldSz cx="12192000" cy="6858000"/>
   <p:notesSz cx="6858000" cy="9144000"/>
@@ -865,7 +867,7 @@
             <a:fld id="{B61BEF0D-F0BB-DE4B-95CE-6DB70DBA9567}" type="datetimeFigureOut">
               <a:rPr lang="en-US" dirty="0"/>
               <a:pPr/>
-              <a:t>1/28/2022</a:t>
+              <a:t>1/29/2022</a:t>
             </a:fld>
             <a:endParaRPr lang="en-US" dirty="0"/>
           </a:p>
@@ -1113,7 +1115,7 @@
             <a:fld id="{B61BEF0D-F0BB-DE4B-95CE-6DB70DBA9567}" type="datetimeFigureOut">
               <a:rPr lang="en-US" dirty="0"/>
               <a:pPr/>
-              <a:t>1/28/2022</a:t>
+              <a:t>1/29/2022</a:t>
             </a:fld>
             <a:endParaRPr lang="en-US" dirty="0"/>
           </a:p>
@@ -1424,7 +1426,7 @@
             <a:fld id="{B61BEF0D-F0BB-DE4B-95CE-6DB70DBA9567}" type="datetimeFigureOut">
               <a:rPr lang="en-US" dirty="0"/>
               <a:pPr/>
-              <a:t>1/28/2022</a:t>
+              <a:t>1/29/2022</a:t>
             </a:fld>
             <a:endParaRPr lang="en-US" dirty="0"/>
           </a:p>
@@ -1754,7 +1756,7 @@
             <a:fld id="{B61BEF0D-F0BB-DE4B-95CE-6DB70DBA9567}" type="datetimeFigureOut">
               <a:rPr lang="en-US" dirty="0"/>
               <a:pPr/>
-              <a:t>1/28/2022</a:t>
+              <a:t>1/29/2022</a:t>
             </a:fld>
             <a:endParaRPr lang="en-US" dirty="0"/>
           </a:p>
@@ -2065,7 +2067,7 @@
             <a:fld id="{B61BEF0D-F0BB-DE4B-95CE-6DB70DBA9567}" type="datetimeFigureOut">
               <a:rPr lang="en-US" dirty="0"/>
               <a:pPr/>
-              <a:t>1/28/2022</a:t>
+              <a:t>1/29/2022</a:t>
             </a:fld>
             <a:endParaRPr lang="en-US" dirty="0"/>
           </a:p>
@@ -2455,7 +2457,7 @@
             <a:fld id="{B61BEF0D-F0BB-DE4B-95CE-6DB70DBA9567}" type="datetimeFigureOut">
               <a:rPr lang="en-US" dirty="0"/>
               <a:pPr/>
-              <a:t>1/28/2022</a:t>
+              <a:t>1/29/2022</a:t>
             </a:fld>
             <a:endParaRPr lang="en-US" dirty="0"/>
           </a:p>
@@ -2621,7 +2623,7 @@
           <a:p>
             <a:fld id="{55C6B4A9-1611-4792-9094-5F34BCA07E0B}" type="datetimeFigureOut">
               <a:rPr lang="en-US" dirty="0"/>
-              <a:t>1/28/2022</a:t>
+              <a:t>1/29/2022</a:t>
             </a:fld>
             <a:endParaRPr lang="en-US" dirty="0"/>
           </a:p>
@@ -2797,7 +2799,7 @@
             <a:fld id="{B61BEF0D-F0BB-DE4B-95CE-6DB70DBA9567}" type="datetimeFigureOut">
               <a:rPr lang="en-US" dirty="0"/>
               <a:pPr/>
-              <a:t>1/28/2022</a:t>
+              <a:t>1/29/2022</a:t>
             </a:fld>
             <a:endParaRPr lang="en-US" dirty="0"/>
           </a:p>
@@ -2963,7 +2965,7 @@
           <a:p>
             <a:fld id="{42A54C80-263E-416B-A8E0-580EDEADCBDC}" type="datetimeFigureOut">
               <a:rPr lang="en-US" dirty="0"/>
-              <a:t>1/28/2022</a:t>
+              <a:t>1/29/2022</a:t>
             </a:fld>
             <a:endParaRPr lang="en-US" dirty="0"/>
           </a:p>
@@ -3206,7 +3208,7 @@
             <a:fld id="{B61BEF0D-F0BB-DE4B-95CE-6DB70DBA9567}" type="datetimeFigureOut">
               <a:rPr lang="en-US" dirty="0"/>
               <a:pPr/>
-              <a:t>1/28/2022</a:t>
+              <a:t>1/29/2022</a:t>
             </a:fld>
             <a:endParaRPr lang="en-US" dirty="0"/>
           </a:p>
@@ -3434,7 +3436,7 @@
           <a:p>
             <a:fld id="{42A54C80-263E-416B-A8E0-580EDEADCBDC}" type="datetimeFigureOut">
               <a:rPr lang="en-US" dirty="0"/>
-              <a:t>1/28/2022</a:t>
+              <a:t>1/29/2022</a:t>
             </a:fld>
             <a:endParaRPr lang="en-US" dirty="0"/>
           </a:p>
@@ -3804,7 +3806,7 @@
             <a:fld id="{B61BEF0D-F0BB-DE4B-95CE-6DB70DBA9567}" type="datetimeFigureOut">
               <a:rPr lang="en-US" dirty="0"/>
               <a:pPr/>
-              <a:t>1/28/2022</a:t>
+              <a:t>1/29/2022</a:t>
             </a:fld>
             <a:endParaRPr lang="en-US" dirty="0"/>
           </a:p>
@@ -3924,7 +3926,7 @@
             <a:fld id="{B61BEF0D-F0BB-DE4B-95CE-6DB70DBA9567}" type="datetimeFigureOut">
               <a:rPr lang="en-US" dirty="0"/>
               <a:pPr/>
-              <a:t>1/28/2022</a:t>
+              <a:t>1/29/2022</a:t>
             </a:fld>
             <a:endParaRPr lang="en-US" dirty="0"/>
           </a:p>
@@ -4016,7 +4018,7 @@
             <a:fld id="{B61BEF0D-F0BB-DE4B-95CE-6DB70DBA9567}" type="datetimeFigureOut">
               <a:rPr lang="en-US" dirty="0"/>
               <a:pPr/>
-              <a:t>1/28/2022</a:t>
+              <a:t>1/29/2022</a:t>
             </a:fld>
             <a:endParaRPr lang="en-US" dirty="0"/>
           </a:p>
@@ -4267,7 +4269,7 @@
           <a:p>
             <a:fld id="{42A54C80-263E-416B-A8E0-580EDEADCBDC}" type="datetimeFigureOut">
               <a:rPr lang="en-US" dirty="0"/>
-              <a:t>1/28/2022</a:t>
+              <a:t>1/29/2022</a:t>
             </a:fld>
             <a:endParaRPr lang="en-US" dirty="0"/>
           </a:p>
@@ -4569,7 +4571,7 @@
             <a:fld id="{B61BEF0D-F0BB-DE4B-95CE-6DB70DBA9567}" type="datetimeFigureOut">
               <a:rPr lang="en-US" dirty="0"/>
               <a:pPr/>
-              <a:t>1/28/2022</a:t>
+              <a:t>1/29/2022</a:t>
             </a:fld>
             <a:endParaRPr lang="en-US" dirty="0"/>
           </a:p>
@@ -5267,7 +5269,7 @@
             <a:fld id="{B61BEF0D-F0BB-DE4B-95CE-6DB70DBA9567}" type="datetimeFigureOut">
               <a:rPr lang="en-US" dirty="0"/>
               <a:pPr/>
-              <a:t>1/28/2022</a:t>
+              <a:t>1/29/2022</a:t>
             </a:fld>
             <a:endParaRPr lang="en-US" dirty="0"/>
           </a:p>
@@ -5887,7 +5889,7 @@
         </p:nvSpPr>
         <p:spPr>
           <a:xfrm>
-            <a:off x="1723204" y="206991"/>
+            <a:off x="2299850" y="284451"/>
             <a:ext cx="7083188" cy="611875"/>
           </a:xfrm>
           <a:prstGeom prst="rect">
@@ -6125,10 +6127,105 @@
           </a:p>
         </p:txBody>
       </p:sp>
+      <p:pic>
+        <p:nvPicPr>
+          <p:cNvPr id="8" name="Рисунок 7"/>
+          <p:cNvPicPr>
+            <a:picLocks noChangeAspect="1"/>
+          </p:cNvPicPr>
+          <p:nvPr/>
+        </p:nvPicPr>
+        <p:blipFill>
+          <a:blip r:embed="rId2">
+            <a:extLst>
+              <a:ext uri="{28A0092B-C50C-407E-A947-70E740481C1C}">
+                <a14:useLocalDpi xmlns:a14="http://schemas.microsoft.com/office/drawing/2010/main" val="0"/>
+              </a:ext>
+            </a:extLst>
+          </a:blip>
+          <a:stretch>
+            <a:fillRect/>
+          </a:stretch>
+        </p:blipFill>
+        <p:spPr>
+          <a:xfrm>
+            <a:off x="1160171" y="62368"/>
+            <a:ext cx="1055642" cy="833958"/>
+          </a:xfrm>
+          <a:prstGeom prst="rect">
+            <a:avLst/>
+          </a:prstGeom>
+        </p:spPr>
+      </p:pic>
     </p:spTree>
     <p:extLst>
       <p:ext uri="{BB962C8B-B14F-4D97-AF65-F5344CB8AC3E}">
         <p14:creationId xmlns:p14="http://schemas.microsoft.com/office/powerpoint/2010/main" val="3605275910"/>
+      </p:ext>
+    </p:extLst>
+  </p:cSld>
+  <p:clrMapOvr>
+    <a:masterClrMapping/>
+  </p:clrMapOvr>
+  <p:timing>
+    <p:tnLst>
+      <p:par>
+        <p:cTn id="1" dur="indefinite" restart="never" nodeType="tmRoot"/>
+      </p:par>
+    </p:tnLst>
+  </p:timing>
+</p:sld>
+</file>
+
+<file path=ppt/slides/slide10.xml><?xml version="1.0" encoding="utf-8"?>
+<p:sld xmlns:a="http://schemas.openxmlformats.org/drawingml/2006/main" xmlns:r="http://schemas.openxmlformats.org/officeDocument/2006/relationships" xmlns:p="http://schemas.openxmlformats.org/presentationml/2006/main">
+  <p:cSld>
+    <p:spTree>
+      <p:nvGrpSpPr>
+        <p:cNvPr id="1" name=""/>
+        <p:cNvGrpSpPr/>
+        <p:nvPr/>
+      </p:nvGrpSpPr>
+      <p:grpSpPr>
+        <a:xfrm>
+          <a:off x="0" y="0"/>
+          <a:ext cx="0" cy="0"/>
+          <a:chOff x="0" y="0"/>
+          <a:chExt cx="0" cy="0"/>
+        </a:xfrm>
+      </p:grpSpPr>
+      <p:sp>
+        <p:nvSpPr>
+          <p:cNvPr id="2" name="Заголовок 1"/>
+          <p:cNvSpPr>
+            <a:spLocks noGrp="1"/>
+          </p:cNvSpPr>
+          <p:nvPr>
+            <p:ph type="title"/>
+          </p:nvPr>
+        </p:nvSpPr>
+        <p:spPr>
+          <a:xfrm>
+            <a:off x="2833681" y="2820537"/>
+            <a:ext cx="5641579" cy="1137313"/>
+          </a:xfrm>
+        </p:spPr>
+        <p:txBody>
+          <a:bodyPr/>
+          <a:lstStyle/>
+          <a:p>
+            <a:r>
+              <a:rPr lang="ru-RU" dirty="0" smtClean="0"/>
+              <a:t>Спасибо за внимание!</a:t>
+            </a:r>
+            <a:endParaRPr lang="ru-RU" dirty="0"/>
+          </a:p>
+        </p:txBody>
+      </p:sp>
+    </p:spTree>
+    <p:extLst>
+      <p:ext uri="{BB962C8B-B14F-4D97-AF65-F5344CB8AC3E}">
+        <p14:creationId xmlns:p14="http://schemas.microsoft.com/office/powerpoint/2010/main" val="1456355059"/>
       </p:ext>
     </p:extLst>
   </p:cSld>
@@ -6701,6 +6798,347 @@
           <a:p>
             <a:r>
               <a:rPr lang="ru-RU" dirty="0" smtClean="0"/>
+              <a:t>Итератор</a:t>
+            </a:r>
+            <a:endParaRPr lang="ru-RU" dirty="0"/>
+          </a:p>
+        </p:txBody>
+      </p:sp>
+      <p:sp>
+        <p:nvSpPr>
+          <p:cNvPr id="3" name="Объект 2"/>
+          <p:cNvSpPr>
+            <a:spLocks noGrp="1"/>
+          </p:cNvSpPr>
+          <p:nvPr>
+            <p:ph idx="1"/>
+          </p:nvPr>
+        </p:nvSpPr>
+        <p:spPr>
+          <a:xfrm>
+            <a:off x="677334" y="1735589"/>
+            <a:ext cx="7173353" cy="3880773"/>
+          </a:xfrm>
+        </p:spPr>
+        <p:txBody>
+          <a:bodyPr>
+            <a:normAutofit/>
+          </a:bodyPr>
+          <a:lstStyle/>
+          <a:p>
+            <a:r>
+              <a:rPr lang="ru-RU" sz="2000" dirty="0" err="1" smtClean="0"/>
+              <a:t>Итера́тор</a:t>
+            </a:r>
+            <a:r>
+              <a:rPr lang="ru-RU" sz="2000" dirty="0"/>
+              <a:t> </a:t>
+            </a:r>
+            <a:r>
+              <a:rPr lang="ru-RU" sz="2000" dirty="0" smtClean="0"/>
+              <a:t>специализированная</a:t>
+            </a:r>
+            <a:r>
+              <a:rPr lang="ru-RU" sz="2000" dirty="0"/>
+              <a:t> АВМ, предназначенная для </a:t>
+            </a:r>
+            <a:r>
+              <a:rPr lang="ru-RU" sz="2000" dirty="0" err="1" smtClean="0"/>
+              <a:t>решени</a:t>
+            </a:r>
+            <a:r>
+              <a:rPr lang="ru-RU" sz="2000" dirty="0" smtClean="0"/>
+              <a:t> линейных краевых</a:t>
+            </a:r>
+            <a:r>
+              <a:rPr lang="ru-RU" sz="2000" dirty="0"/>
+              <a:t> задач </a:t>
+            </a:r>
+            <a:r>
+              <a:rPr lang="ru-RU" sz="2000" u="sng" dirty="0">
+                <a:hlinkClick r:id="rId2"/>
+              </a:rPr>
+              <a:t>систем линейных</a:t>
+            </a:r>
+            <a:r>
+              <a:rPr lang="ru-RU" sz="2000" dirty="0"/>
+              <a:t> дифференциальных уравнений. </a:t>
+            </a:r>
+            <a:r>
+              <a:rPr lang="ru-RU" sz="2000" dirty="0" smtClean="0"/>
+              <a:t>Разработана</a:t>
+            </a:r>
+            <a:r>
+              <a:rPr lang="ru-RU" sz="2000" dirty="0"/>
+              <a:t> </a:t>
+            </a:r>
+            <a:r>
+              <a:rPr lang="ru-RU" sz="2000" dirty="0" smtClean="0"/>
+              <a:t>в</a:t>
+            </a:r>
+            <a:r>
+              <a:rPr lang="ru-RU" sz="2000" dirty="0"/>
+              <a:t> </a:t>
+            </a:r>
+            <a:r>
+              <a:rPr lang="ru-RU" sz="2000" u="sng" dirty="0">
+                <a:hlinkClick r:id="rId3"/>
+              </a:rPr>
+              <a:t>1962 году</a:t>
+            </a:r>
+            <a:r>
+              <a:rPr lang="ru-RU" sz="2000" dirty="0" smtClean="0"/>
+              <a:t>.</a:t>
+            </a:r>
+          </a:p>
+          <a:p>
+            <a:r>
+              <a:rPr lang="ru-RU" sz="2000" dirty="0"/>
+              <a:t>«</a:t>
+            </a:r>
+            <a:r>
+              <a:rPr lang="ru-RU" sz="2000" dirty="0" err="1" smtClean="0"/>
+              <a:t>Итератор»решает</a:t>
+            </a:r>
+            <a:r>
+              <a:rPr lang="ru-RU" sz="2000" dirty="0"/>
+              <a:t> краевую задачу итерационным способом </a:t>
+            </a:r>
+            <a:r>
+              <a:rPr lang="ru-RU" sz="2000" u="sng" dirty="0">
+                <a:hlinkClick r:id="rId4"/>
+              </a:rPr>
+              <a:t>Ньютона</a:t>
+            </a:r>
+            <a:r>
+              <a:rPr lang="ru-RU" sz="2000" dirty="0"/>
+              <a:t>, сводящим её к серии задач с начальными условиями. Алгоритм заключается в определении </a:t>
+            </a:r>
+            <a:r>
+              <a:rPr lang="ru-RU" sz="2000" u="sng" dirty="0">
+                <a:hlinkClick r:id="rId5"/>
+              </a:rPr>
+              <a:t>матрицы</a:t>
+            </a:r>
+            <a:r>
+              <a:rPr lang="ru-RU" sz="2000" dirty="0"/>
+              <a:t> первых производных по компонентам вектора начальных условий и автоматического поиска решения краевой задачи с использованием этой матрицы. Сходимость итерационного процесса благодаря примененному методу обеспечивается за три-четыре итерации.</a:t>
+            </a:r>
+            <a:endParaRPr lang="ru-RU" sz="2000" dirty="0"/>
+          </a:p>
+        </p:txBody>
+      </p:sp>
+      <p:pic>
+        <p:nvPicPr>
+          <p:cNvPr id="4" name="Рисунок 3"/>
+          <p:cNvPicPr>
+            <a:picLocks noChangeAspect="1"/>
+          </p:cNvPicPr>
+          <p:nvPr/>
+        </p:nvPicPr>
+        <p:blipFill>
+          <a:blip r:embed="rId6">
+            <a:extLst>
+              <a:ext uri="{28A0092B-C50C-407E-A947-70E740481C1C}">
+                <a14:useLocalDpi xmlns:a14="http://schemas.microsoft.com/office/drawing/2010/main" val="0"/>
+              </a:ext>
+            </a:extLst>
+          </a:blip>
+          <a:stretch>
+            <a:fillRect/>
+          </a:stretch>
+        </p:blipFill>
+        <p:spPr>
+          <a:xfrm>
+            <a:off x="8592064" y="1735589"/>
+            <a:ext cx="3093285" cy="4345329"/>
+          </a:xfrm>
+          <a:prstGeom prst="rect">
+            <a:avLst/>
+          </a:prstGeom>
+        </p:spPr>
+      </p:pic>
+    </p:spTree>
+    <p:extLst>
+      <p:ext uri="{BB962C8B-B14F-4D97-AF65-F5344CB8AC3E}">
+        <p14:creationId xmlns:p14="http://schemas.microsoft.com/office/powerpoint/2010/main" val="169033721"/>
+      </p:ext>
+    </p:extLst>
+  </p:cSld>
+  <p:clrMapOvr>
+    <a:masterClrMapping/>
+  </p:clrMapOvr>
+</p:sld>
+</file>
+
+<file path=ppt/slides/slide7.xml><?xml version="1.0" encoding="utf-8"?>
+<p:sld xmlns:a="http://schemas.openxmlformats.org/drawingml/2006/main" xmlns:r="http://schemas.openxmlformats.org/officeDocument/2006/relationships" xmlns:p="http://schemas.openxmlformats.org/presentationml/2006/main">
+  <p:cSld>
+    <p:spTree>
+      <p:nvGrpSpPr>
+        <p:cNvPr id="1" name=""/>
+        <p:cNvGrpSpPr/>
+        <p:nvPr/>
+      </p:nvGrpSpPr>
+      <p:grpSpPr>
+        <a:xfrm>
+          <a:off x="0" y="0"/>
+          <a:ext cx="0" cy="0"/>
+          <a:chOff x="0" y="0"/>
+          <a:chExt cx="0" cy="0"/>
+        </a:xfrm>
+      </p:grpSpPr>
+      <p:sp>
+        <p:nvSpPr>
+          <p:cNvPr id="2" name="Заголовок 1"/>
+          <p:cNvSpPr>
+            <a:spLocks noGrp="1"/>
+          </p:cNvSpPr>
+          <p:nvPr>
+            <p:ph type="title"/>
+          </p:nvPr>
+        </p:nvSpPr>
+        <p:spPr/>
+        <p:txBody>
+          <a:bodyPr/>
+          <a:lstStyle/>
+          <a:p>
+            <a:r>
+              <a:rPr lang="en-US" b="1" dirty="0"/>
+              <a:t>FERMIAC</a:t>
+            </a:r>
+            <a:endParaRPr lang="ru-RU" dirty="0"/>
+          </a:p>
+        </p:txBody>
+      </p:sp>
+      <p:sp>
+        <p:nvSpPr>
+          <p:cNvPr id="3" name="Объект 2"/>
+          <p:cNvSpPr>
+            <a:spLocks noGrp="1"/>
+          </p:cNvSpPr>
+          <p:nvPr>
+            <p:ph idx="1"/>
+          </p:nvPr>
+        </p:nvSpPr>
+        <p:spPr>
+          <a:xfrm>
+            <a:off x="677334" y="1634272"/>
+            <a:ext cx="8596668" cy="2484648"/>
+          </a:xfrm>
+        </p:spPr>
+        <p:txBody>
+          <a:bodyPr>
+            <a:noAutofit/>
+          </a:bodyPr>
+          <a:lstStyle/>
+          <a:p>
+            <a:r>
+              <a:rPr lang="ru-RU" sz="2000" dirty="0"/>
+              <a:t>изобретен физиком </a:t>
+            </a:r>
+            <a:r>
+              <a:rPr lang="ru-RU" sz="2000" dirty="0" err="1"/>
+              <a:t>Энрико</a:t>
+            </a:r>
+            <a:r>
+              <a:rPr lang="ru-RU" sz="2000" dirty="0"/>
+              <a:t> Ферми, для изучения перемещения нейтронов. </a:t>
+            </a:r>
+            <a:endParaRPr lang="ru-RU" sz="2000" dirty="0" smtClean="0"/>
+          </a:p>
+          <a:p>
+            <a:r>
+              <a:rPr lang="ru-RU" sz="2000" dirty="0" smtClean="0"/>
+              <a:t>Использует</a:t>
+            </a:r>
+            <a:r>
+              <a:rPr lang="ru-RU" sz="2000" dirty="0"/>
+              <a:t> Метод Монте-Карло для моделирования переноса нейтронов в различных типах ядерных систем. С учетом начального распределения нейтронов, целью процесса является создание многочисленных «родословных нейтронов», или моделей поведения отдельных нейтронов, в том числе каждого столкновения, рассеяния и деления.</a:t>
+            </a:r>
+          </a:p>
+          <a:p>
+            <a:endParaRPr lang="ru-RU" sz="2000" dirty="0"/>
+          </a:p>
+        </p:txBody>
+      </p:sp>
+      <p:pic>
+        <p:nvPicPr>
+          <p:cNvPr id="5" name="Рисунок 4"/>
+          <p:cNvPicPr>
+            <a:picLocks noChangeAspect="1"/>
+          </p:cNvPicPr>
+          <p:nvPr/>
+        </p:nvPicPr>
+        <p:blipFill>
+          <a:blip r:embed="rId2">
+            <a:extLst>
+              <a:ext uri="{28A0092B-C50C-407E-A947-70E740481C1C}">
+                <a14:useLocalDpi xmlns:a14="http://schemas.microsoft.com/office/drawing/2010/main" val="0"/>
+              </a:ext>
+            </a:extLst>
+          </a:blip>
+          <a:stretch>
+            <a:fillRect/>
+          </a:stretch>
+        </p:blipFill>
+        <p:spPr>
+          <a:xfrm>
+            <a:off x="1118288" y="4635589"/>
+            <a:ext cx="2547551" cy="1603200"/>
+          </a:xfrm>
+          <a:prstGeom prst="rect">
+            <a:avLst/>
+          </a:prstGeom>
+        </p:spPr>
+      </p:pic>
+    </p:spTree>
+    <p:extLst>
+      <p:ext uri="{BB962C8B-B14F-4D97-AF65-F5344CB8AC3E}">
+        <p14:creationId xmlns:p14="http://schemas.microsoft.com/office/powerpoint/2010/main" val="767116684"/>
+      </p:ext>
+    </p:extLst>
+  </p:cSld>
+  <p:clrMapOvr>
+    <a:masterClrMapping/>
+  </p:clrMapOvr>
+</p:sld>
+</file>
+
+<file path=ppt/slides/slide8.xml><?xml version="1.0" encoding="utf-8"?>
+<p:sld xmlns:a="http://schemas.openxmlformats.org/drawingml/2006/main" xmlns:r="http://schemas.openxmlformats.org/officeDocument/2006/relationships" xmlns:p="http://schemas.openxmlformats.org/presentationml/2006/main">
+  <p:cSld>
+    <p:spTree>
+      <p:nvGrpSpPr>
+        <p:cNvPr id="1" name=""/>
+        <p:cNvGrpSpPr/>
+        <p:nvPr/>
+      </p:nvGrpSpPr>
+      <p:grpSpPr>
+        <a:xfrm>
+          <a:off x="0" y="0"/>
+          <a:ext cx="0" cy="0"/>
+          <a:chOff x="0" y="0"/>
+          <a:chExt cx="0" cy="0"/>
+        </a:xfrm>
+      </p:grpSpPr>
+      <p:sp>
+        <p:nvSpPr>
+          <p:cNvPr id="2" name="Заголовок 1"/>
+          <p:cNvSpPr>
+            <a:spLocks noGrp="1"/>
+          </p:cNvSpPr>
+          <p:nvPr>
+            <p:ph type="title"/>
+          </p:nvPr>
+        </p:nvSpPr>
+        <p:spPr/>
+        <p:txBody>
+          <a:bodyPr/>
+          <a:lstStyle/>
+          <a:p>
+            <a:r>
+              <a:rPr lang="ru-RU" dirty="0" smtClean="0"/>
               <a:t>Применение</a:t>
             </a:r>
             <a:endParaRPr lang="ru-RU" dirty="0"/>
@@ -6782,7 +7220,7 @@
 </p:sld>
 </file>
 
-<file path=ppt/slides/slide7.xml><?xml version="1.0" encoding="utf-8"?>
+<file path=ppt/slides/slide9.xml><?xml version="1.0" encoding="utf-8"?>
 <p:sld xmlns:a="http://schemas.openxmlformats.org/drawingml/2006/main" xmlns:r="http://schemas.openxmlformats.org/officeDocument/2006/relationships" xmlns:p="http://schemas.openxmlformats.org/presentationml/2006/main">
   <p:cSld>
     <p:spTree>
@@ -6897,71 +7335,6 @@
     <p:extLst>
       <p:ext uri="{BB962C8B-B14F-4D97-AF65-F5344CB8AC3E}">
         <p14:creationId xmlns:p14="http://schemas.microsoft.com/office/powerpoint/2010/main" val="3742424911"/>
-      </p:ext>
-    </p:extLst>
-  </p:cSld>
-  <p:clrMapOvr>
-    <a:masterClrMapping/>
-  </p:clrMapOvr>
-  <p:timing>
-    <p:tnLst>
-      <p:par>
-        <p:cTn id="1" dur="indefinite" restart="never" nodeType="tmRoot"/>
-      </p:par>
-    </p:tnLst>
-  </p:timing>
-</p:sld>
-</file>
-
-<file path=ppt/slides/slide8.xml><?xml version="1.0" encoding="utf-8"?>
-<p:sld xmlns:a="http://schemas.openxmlformats.org/drawingml/2006/main" xmlns:r="http://schemas.openxmlformats.org/officeDocument/2006/relationships" xmlns:p="http://schemas.openxmlformats.org/presentationml/2006/main">
-  <p:cSld>
-    <p:spTree>
-      <p:nvGrpSpPr>
-        <p:cNvPr id="1" name=""/>
-        <p:cNvGrpSpPr/>
-        <p:nvPr/>
-      </p:nvGrpSpPr>
-      <p:grpSpPr>
-        <a:xfrm>
-          <a:off x="0" y="0"/>
-          <a:ext cx="0" cy="0"/>
-          <a:chOff x="0" y="0"/>
-          <a:chExt cx="0" cy="0"/>
-        </a:xfrm>
-      </p:grpSpPr>
-      <p:sp>
-        <p:nvSpPr>
-          <p:cNvPr id="2" name="Заголовок 1"/>
-          <p:cNvSpPr>
-            <a:spLocks noGrp="1"/>
-          </p:cNvSpPr>
-          <p:nvPr>
-            <p:ph type="title"/>
-          </p:nvPr>
-        </p:nvSpPr>
-        <p:spPr>
-          <a:xfrm>
-            <a:off x="2833681" y="2820537"/>
-            <a:ext cx="5641579" cy="1137313"/>
-          </a:xfrm>
-        </p:spPr>
-        <p:txBody>
-          <a:bodyPr/>
-          <a:lstStyle/>
-          <a:p>
-            <a:r>
-              <a:rPr lang="ru-RU" dirty="0" smtClean="0"/>
-              <a:t>Спасибо за внимание!</a:t>
-            </a:r>
-            <a:endParaRPr lang="ru-RU" dirty="0"/>
-          </a:p>
-        </p:txBody>
-      </p:sp>
-    </p:spTree>
-    <p:extLst>
-      <p:ext uri="{BB962C8B-B14F-4D97-AF65-F5344CB8AC3E}">
-        <p14:creationId xmlns:p14="http://schemas.microsoft.com/office/powerpoint/2010/main" val="1456355059"/>
       </p:ext>
     </p:extLst>
   </p:cSld>
